--- a/PPT FWD TNSDC 2025 (3).pptx
+++ b/PPT FWD TNSDC 2025 (3).pptx
@@ -136,14 +136,6 @@
 </p:presentation>
 </file>
 
-<file path=ppt/revisionInfo.xml><?xml version="1.0" encoding="utf-8"?>
-<p1510:revInfo xmlns:a="http://schemas.openxmlformats.org/drawingml/2006/main" xmlns:r="http://schemas.openxmlformats.org/officeDocument/2006/relationships" xmlns:p1510="http://schemas.microsoft.com/office/powerpoint/2015/10/main">
-  <p1510:revLst>
-    <p1510:client id="{D5830CC7-8040-4162-8342-BB180D82127D}" v="17" dt="2024-08-20T06:41:39.573"/>
-  </p1510:revLst>
-</p1510:revInfo>
-</file>
-
 <file path=ppt/notesMasters/notesMaster1.xml><?xml version="1.0" encoding="utf-8"?>
 <p:notesMaster xmlns:a="http://schemas.openxmlformats.org/drawingml/2006/main" xmlns:r="http://schemas.openxmlformats.org/officeDocument/2006/relationships" xmlns:p="http://schemas.openxmlformats.org/presentationml/2006/main">
   <p:cSld>
@@ -226,7 +218,7 @@
           <a:p>
             <a:fld id="{84B86612-B127-4CD0-BF15-66D49A7175F7}" type="datetimeFigureOut">
               <a:rPr lang="en-IN" smtClean="0"/>
-              <a:t>29-08-2025</a:t>
+              <a:t>13-09-2025</a:t>
             </a:fld>
             <a:endParaRPr lang="en-IN"/>
           </a:p>
@@ -723,7 +715,7 @@
           <a:p>
             <a:fld id="{1D8BD707-D9CF-40AE-B4C6-C98DA3205C09}" type="datetimeFigureOut">
               <a:rPr lang="en-US"/>
-              <a:t>8/29/2025</a:t>
+              <a:t>9/13/2025</a:t>
             </a:fld>
             <a:endParaRPr lang="en-US"/>
           </a:p>
@@ -903,7 +895,7 @@
           <a:p>
             <a:fld id="{1D8BD707-D9CF-40AE-B4C6-C98DA3205C09}" type="datetimeFigureOut">
               <a:rPr lang="en-US"/>
-              <a:t>8/29/2025</a:t>
+              <a:t>9/13/2025</a:t>
             </a:fld>
             <a:endParaRPr lang="en-US"/>
           </a:p>
@@ -1126,7 +1118,7 @@
           <a:p>
             <a:fld id="{1D8BD707-D9CF-40AE-B4C6-C98DA3205C09}" type="datetimeFigureOut">
               <a:rPr lang="en-US"/>
-              <a:t>8/29/2025</a:t>
+              <a:t>9/13/2025</a:t>
             </a:fld>
             <a:endParaRPr lang="en-US"/>
           </a:p>
@@ -1283,7 +1275,7 @@
           <a:p>
             <a:fld id="{1D8BD707-D9CF-40AE-B4C6-C98DA3205C09}" type="datetimeFigureOut">
               <a:rPr lang="en-US"/>
-              <a:t>8/29/2025</a:t>
+              <a:t>9/13/2025</a:t>
             </a:fld>
             <a:endParaRPr lang="en-US"/>
           </a:p>
@@ -1411,7 +1403,7 @@
           <a:p>
             <a:fld id="{1D8BD707-D9CF-40AE-B4C6-C98DA3205C09}" type="datetimeFigureOut">
               <a:rPr lang="en-US"/>
-              <a:t>8/29/2025</a:t>
+              <a:t>9/13/2025</a:t>
             </a:fld>
             <a:endParaRPr lang="en-US"/>
           </a:p>
@@ -2130,7 +2122,7 @@
           <a:p>
             <a:fld id="{1D8BD707-D9CF-40AE-B4C6-C98DA3205C09}" type="datetimeFigureOut">
               <a:rPr lang="en-US"/>
-              <a:t>8/29/2025</a:t>
+              <a:t>9/13/2025</a:t>
             </a:fld>
             <a:endParaRPr lang="en-US"/>
           </a:p>
@@ -2725,7 +2717,7 @@
         <p:spPr>
           <a:xfrm>
             <a:off x="219074" y="3040529"/>
-            <a:ext cx="10906125" cy="2677656"/>
+            <a:ext cx="10906125" cy="3046988"/>
           </a:xfrm>
           <a:prstGeom prst="rect">
             <a:avLst/>
@@ -2746,7 +2738,28 @@
           <a:p>
             <a:r>
               <a:rPr lang="en-US" sz="2400" dirty="0"/>
-              <a:t>REGISTER NO AND NMID: 2422K1471 &amp; santhoshpandipnm2422k1471@gmail.com</a:t>
+              <a:t>REGISTER NO AND NMID: 2422K1471 &amp; </a:t>
+            </a:r>
+            <a:r>
+              <a:rPr lang="en-US" sz="2400" dirty="0">
+                <a:hlinkClick r:id="rId4"/>
+              </a:rPr>
+              <a:t>santhoshpandipnm2422k1471@gmail.com</a:t>
+            </a:r>
+            <a:endParaRPr lang="en-GB" sz="2400" dirty="0">
+              <a:hlinkClick r:id="rId4"/>
+            </a:endParaRPr>
+          </a:p>
+          <a:p>
+            <a:r>
+              <a:rPr lang="en-GB" sz="2400" dirty="0">
+                <a:hlinkClick r:id="rId4"/>
+              </a:rPr>
+              <a:t>NMID</a:t>
+            </a:r>
+            <a:r>
+              <a:rPr lang="en-GB" sz="2400" dirty="0"/>
+              <a:t> :3F4C5785C0D1398ABCC4C4E3CC79BAC3</a:t>
             </a:r>
             <a:endParaRPr lang="en-US" sz="2400" dirty="0">
               <a:cs typeface="Calibri"/>
